--- a/11.FileSystem/filesystem.pptx
+++ b/11.FileSystem/filesystem.pptx
@@ -107,6 +107,11 @@
       </a:defRPr>
     </a:lvl9pPr>
   </p:defaultTextStyle>
+  <p:extLst>
+    <p:ext uri="{EFAFB233-063F-42B5-8137-9DF3F51BA10A}">
+      <p15:sldGuideLst xmlns:p15="http://schemas.microsoft.com/office/powerpoint/2012/main"/>
+    </p:ext>
+  </p:extLst>
 </p:presentation>
 </file>
 
@@ -241,7 +246,7 @@
           <a:p>
             <a:fld id="{FA356A89-8DCF-4840-AEEF-70D9373DCE9F}" type="datetimeFigureOut">
               <a:rPr lang="ko-KR" altLang="en-US" smtClean="0"/>
-              <a:t>2022-01-27</a:t>
+              <a:t>2022-04-23</a:t>
             </a:fld>
             <a:endParaRPr lang="ko-KR" altLang="en-US"/>
           </a:p>
@@ -411,7 +416,7 @@
           <a:p>
             <a:fld id="{FA356A89-8DCF-4840-AEEF-70D9373DCE9F}" type="datetimeFigureOut">
               <a:rPr lang="ko-KR" altLang="en-US" smtClean="0"/>
-              <a:t>2022-01-27</a:t>
+              <a:t>2022-04-23</a:t>
             </a:fld>
             <a:endParaRPr lang="ko-KR" altLang="en-US"/>
           </a:p>
@@ -591,7 +596,7 @@
           <a:p>
             <a:fld id="{FA356A89-8DCF-4840-AEEF-70D9373DCE9F}" type="datetimeFigureOut">
               <a:rPr lang="ko-KR" altLang="en-US" smtClean="0"/>
-              <a:t>2022-01-27</a:t>
+              <a:t>2022-04-23</a:t>
             </a:fld>
             <a:endParaRPr lang="ko-KR" altLang="en-US"/>
           </a:p>
@@ -761,7 +766,7 @@
           <a:p>
             <a:fld id="{FA356A89-8DCF-4840-AEEF-70D9373DCE9F}" type="datetimeFigureOut">
               <a:rPr lang="ko-KR" altLang="en-US" smtClean="0"/>
-              <a:t>2022-01-27</a:t>
+              <a:t>2022-04-23</a:t>
             </a:fld>
             <a:endParaRPr lang="ko-KR" altLang="en-US"/>
           </a:p>
@@ -1005,7 +1010,7 @@
           <a:p>
             <a:fld id="{FA356A89-8DCF-4840-AEEF-70D9373DCE9F}" type="datetimeFigureOut">
               <a:rPr lang="ko-KR" altLang="en-US" smtClean="0"/>
-              <a:t>2022-01-27</a:t>
+              <a:t>2022-04-23</a:t>
             </a:fld>
             <a:endParaRPr lang="ko-KR" altLang="en-US"/>
           </a:p>
@@ -1237,7 +1242,7 @@
           <a:p>
             <a:fld id="{FA356A89-8DCF-4840-AEEF-70D9373DCE9F}" type="datetimeFigureOut">
               <a:rPr lang="ko-KR" altLang="en-US" smtClean="0"/>
-              <a:t>2022-01-27</a:t>
+              <a:t>2022-04-23</a:t>
             </a:fld>
             <a:endParaRPr lang="ko-KR" altLang="en-US"/>
           </a:p>
@@ -1604,7 +1609,7 @@
           <a:p>
             <a:fld id="{FA356A89-8DCF-4840-AEEF-70D9373DCE9F}" type="datetimeFigureOut">
               <a:rPr lang="ko-KR" altLang="en-US" smtClean="0"/>
-              <a:t>2022-01-27</a:t>
+              <a:t>2022-04-23</a:t>
             </a:fld>
             <a:endParaRPr lang="ko-KR" altLang="en-US"/>
           </a:p>
@@ -1722,7 +1727,7 @@
           <a:p>
             <a:fld id="{FA356A89-8DCF-4840-AEEF-70D9373DCE9F}" type="datetimeFigureOut">
               <a:rPr lang="ko-KR" altLang="en-US" smtClean="0"/>
-              <a:t>2022-01-27</a:t>
+              <a:t>2022-04-23</a:t>
             </a:fld>
             <a:endParaRPr lang="ko-KR" altLang="en-US"/>
           </a:p>
@@ -1817,7 +1822,7 @@
           <a:p>
             <a:fld id="{FA356A89-8DCF-4840-AEEF-70D9373DCE9F}" type="datetimeFigureOut">
               <a:rPr lang="ko-KR" altLang="en-US" smtClean="0"/>
-              <a:t>2022-01-27</a:t>
+              <a:t>2022-04-23</a:t>
             </a:fld>
             <a:endParaRPr lang="ko-KR" altLang="en-US"/>
           </a:p>
@@ -2094,7 +2099,7 @@
           <a:p>
             <a:fld id="{FA356A89-8DCF-4840-AEEF-70D9373DCE9F}" type="datetimeFigureOut">
               <a:rPr lang="ko-KR" altLang="en-US" smtClean="0"/>
-              <a:t>2022-01-27</a:t>
+              <a:t>2022-04-23</a:t>
             </a:fld>
             <a:endParaRPr lang="ko-KR" altLang="en-US"/>
           </a:p>
@@ -2351,7 +2356,7 @@
           <a:p>
             <a:fld id="{FA356A89-8DCF-4840-AEEF-70D9373DCE9F}" type="datetimeFigureOut">
               <a:rPr lang="ko-KR" altLang="en-US" smtClean="0"/>
-              <a:t>2022-01-27</a:t>
+              <a:t>2022-04-23</a:t>
             </a:fld>
             <a:endParaRPr lang="ko-KR" altLang="en-US"/>
           </a:p>
@@ -2564,7 +2569,7 @@
           <a:p>
             <a:fld id="{FA356A89-8DCF-4840-AEEF-70D9373DCE9F}" type="datetimeFigureOut">
               <a:rPr lang="ko-KR" altLang="en-US" smtClean="0"/>
-              <a:t>2022-01-27</a:t>
+              <a:t>2022-04-23</a:t>
             </a:fld>
             <a:endParaRPr lang="ko-KR" altLang="en-US"/>
           </a:p>
@@ -3771,7 +3776,6 @@
               <a:rPr lang="en-US" altLang="ko-KR" sz="1000" dirty="0" smtClean="0"/>
               <a:t> = LOGSIZE;  //30</a:t>
             </a:r>
-            <a:endParaRPr lang="en-US" altLang="ko-KR" sz="1000" dirty="0" smtClean="0"/>
           </a:p>
           <a:p>
             <a:r>
@@ -3885,11 +3889,7 @@
             </a:r>
             <a:r>
               <a:rPr lang="en-US" altLang="ko-KR" sz="1000" dirty="0" smtClean="0"/>
-              <a:t>0x200*Block number  (</a:t>
-            </a:r>
-            <a:r>
-              <a:rPr lang="en-US" altLang="ko-KR" sz="1000" dirty="0" smtClean="0"/>
-              <a:t>512*Block Number)</a:t>
+              <a:t>0x200*Block number  (512*Block Number)</a:t>
             </a:r>
             <a:endParaRPr lang="ko-KR" altLang="en-US" sz="1000" dirty="0"/>
           </a:p>
@@ -3941,7 +3941,7 @@
         </p:blipFill>
         <p:spPr>
           <a:xfrm>
-            <a:off x="5252824" y="3373582"/>
+            <a:off x="5894720" y="1532670"/>
             <a:ext cx="1819922" cy="2343150"/>
           </a:xfrm>
           <a:prstGeom prst="rect">
@@ -3965,7 +3965,7 @@
         </p:blipFill>
         <p:spPr>
           <a:xfrm>
-            <a:off x="401351" y="2452253"/>
+            <a:off x="1049303" y="1126943"/>
             <a:ext cx="4387714" cy="2289030"/>
           </a:xfrm>
           <a:prstGeom prst="rect">
@@ -3989,7 +3989,7 @@
         </p:blipFill>
         <p:spPr>
           <a:xfrm>
-            <a:off x="519114" y="4741283"/>
+            <a:off x="1167066" y="3415973"/>
             <a:ext cx="3550121" cy="1984230"/>
           </a:xfrm>
           <a:prstGeom prst="rect">
